--- a/figures/Figure3/Figure3.pptx
+++ b/figures/Figure3/Figure3.pptx
@@ -288,7 +288,7 @@
           <a:p>
             <a:fld id="{DA0996A6-DAAF-0C4B-832D-F4D8B849F9F2}" type="datetimeFigureOut">
               <a:rPr lang="en-US" smtClean="0"/>
-              <a:t>8/31/17</a:t>
+              <a:t>9/13/17</a:t>
             </a:fld>
             <a:endParaRPr lang="en-US"/>
           </a:p>
@@ -458,7 +458,7 @@
           <a:p>
             <a:fld id="{DA0996A6-DAAF-0C4B-832D-F4D8B849F9F2}" type="datetimeFigureOut">
               <a:rPr lang="en-US" smtClean="0"/>
-              <a:t>8/31/17</a:t>
+              <a:t>9/13/17</a:t>
             </a:fld>
             <a:endParaRPr lang="en-US"/>
           </a:p>
@@ -638,7 +638,7 @@
           <a:p>
             <a:fld id="{DA0996A6-DAAF-0C4B-832D-F4D8B849F9F2}" type="datetimeFigureOut">
               <a:rPr lang="en-US" smtClean="0"/>
-              <a:t>8/31/17</a:t>
+              <a:t>9/13/17</a:t>
             </a:fld>
             <a:endParaRPr lang="en-US"/>
           </a:p>
@@ -808,7 +808,7 @@
           <a:p>
             <a:fld id="{DA0996A6-DAAF-0C4B-832D-F4D8B849F9F2}" type="datetimeFigureOut">
               <a:rPr lang="en-US" smtClean="0"/>
-              <a:t>8/31/17</a:t>
+              <a:t>9/13/17</a:t>
             </a:fld>
             <a:endParaRPr lang="en-US"/>
           </a:p>
@@ -1054,7 +1054,7 @@
           <a:p>
             <a:fld id="{DA0996A6-DAAF-0C4B-832D-F4D8B849F9F2}" type="datetimeFigureOut">
               <a:rPr lang="en-US" smtClean="0"/>
-              <a:t>8/31/17</a:t>
+              <a:t>9/13/17</a:t>
             </a:fld>
             <a:endParaRPr lang="en-US"/>
           </a:p>
@@ -1342,7 +1342,7 @@
           <a:p>
             <a:fld id="{DA0996A6-DAAF-0C4B-832D-F4D8B849F9F2}" type="datetimeFigureOut">
               <a:rPr lang="en-US" smtClean="0"/>
-              <a:t>8/31/17</a:t>
+              <a:t>9/13/17</a:t>
             </a:fld>
             <a:endParaRPr lang="en-US"/>
           </a:p>
@@ -1764,7 +1764,7 @@
           <a:p>
             <a:fld id="{DA0996A6-DAAF-0C4B-832D-F4D8B849F9F2}" type="datetimeFigureOut">
               <a:rPr lang="en-US" smtClean="0"/>
-              <a:t>8/31/17</a:t>
+              <a:t>9/13/17</a:t>
             </a:fld>
             <a:endParaRPr lang="en-US"/>
           </a:p>
@@ -1882,7 +1882,7 @@
           <a:p>
             <a:fld id="{DA0996A6-DAAF-0C4B-832D-F4D8B849F9F2}" type="datetimeFigureOut">
               <a:rPr lang="en-US" smtClean="0"/>
-              <a:t>8/31/17</a:t>
+              <a:t>9/13/17</a:t>
             </a:fld>
             <a:endParaRPr lang="en-US"/>
           </a:p>
@@ -1977,7 +1977,7 @@
           <a:p>
             <a:fld id="{DA0996A6-DAAF-0C4B-832D-F4D8B849F9F2}" type="datetimeFigureOut">
               <a:rPr lang="en-US" smtClean="0"/>
-              <a:t>8/31/17</a:t>
+              <a:t>9/13/17</a:t>
             </a:fld>
             <a:endParaRPr lang="en-US"/>
           </a:p>
@@ -2254,7 +2254,7 @@
           <a:p>
             <a:fld id="{DA0996A6-DAAF-0C4B-832D-F4D8B849F9F2}" type="datetimeFigureOut">
               <a:rPr lang="en-US" smtClean="0"/>
-              <a:t>8/31/17</a:t>
+              <a:t>9/13/17</a:t>
             </a:fld>
             <a:endParaRPr lang="en-US"/>
           </a:p>
@@ -2507,7 +2507,7 @@
           <a:p>
             <a:fld id="{DA0996A6-DAAF-0C4B-832D-F4D8B849F9F2}" type="datetimeFigureOut">
               <a:rPr lang="en-US" smtClean="0"/>
-              <a:t>8/31/17</a:t>
+              <a:t>9/13/17</a:t>
             </a:fld>
             <a:endParaRPr lang="en-US"/>
           </a:p>
@@ -2720,7 +2720,7 @@
           <a:p>
             <a:fld id="{DA0996A6-DAAF-0C4B-832D-F4D8B849F9F2}" type="datetimeFigureOut">
               <a:rPr lang="en-US" smtClean="0"/>
-              <a:t>8/31/17</a:t>
+              <a:t>9/13/17</a:t>
             </a:fld>
             <a:endParaRPr lang="en-US"/>
           </a:p>
@@ -3117,7 +3117,7 @@
         </p:blipFill>
         <p:spPr>
           <a:xfrm>
-            <a:off x="-1036082" y="-123589"/>
+            <a:off x="1551717" y="-136732"/>
             <a:ext cx="4542520" cy="3409354"/>
           </a:xfrm>
           <a:prstGeom prst="rect">
@@ -3147,7 +3147,7 @@
         </p:blipFill>
         <p:spPr>
           <a:xfrm>
-            <a:off x="1956410" y="-110446"/>
+            <a:off x="5206843" y="-123589"/>
             <a:ext cx="4525009" cy="3396211"/>
           </a:xfrm>
           <a:prstGeom prst="rect">
@@ -3155,36 +3155,6 @@
           </a:prstGeom>
         </p:spPr>
       </p:pic>
-      <p:pic>
-        <p:nvPicPr>
-          <p:cNvPr id="3" name="Picture 2" descr="MEAN_RETIC_VOL.pdf"/>
-          <p:cNvPicPr>
-            <a:picLocks noChangeAspect="1"/>
-          </p:cNvPicPr>
-          <p:nvPr/>
-        </p:nvPicPr>
-        <p:blipFill>
-          <a:blip r:embed="rId4">
-            <a:extLst>
-              <a:ext uri="{28A0092B-C50C-407E-A947-70E740481C1C}">
-                <a14:useLocalDpi xmlns:a14="http://schemas.microsoft.com/office/drawing/2010/main" val="0"/>
-              </a:ext>
-            </a:extLst>
-          </a:blip>
-          <a:stretch>
-            <a:fillRect/>
-          </a:stretch>
-        </p:blipFill>
-        <p:spPr>
-          <a:xfrm>
-            <a:off x="4969752" y="0"/>
-            <a:ext cx="4307120" cy="3232676"/>
-          </a:xfrm>
-          <a:prstGeom prst="rect">
-            <a:avLst/>
-          </a:prstGeom>
-        </p:spPr>
-      </p:pic>
       <p:sp>
         <p:nvSpPr>
           <p:cNvPr id="5" name="TextBox 4"/>
@@ -3193,7 +3163,7 @@
         </p:nvSpPr>
         <p:spPr>
           <a:xfrm>
-            <a:off x="784294" y="151864"/>
+            <a:off x="3117352" y="138721"/>
             <a:ext cx="1172116" cy="369332"/>
           </a:xfrm>
           <a:prstGeom prst="rect">
@@ -3223,7 +3193,7 @@
         </p:nvSpPr>
         <p:spPr>
           <a:xfrm>
-            <a:off x="3506438" y="151864"/>
+            <a:off x="6756871" y="138721"/>
             <a:ext cx="1700405" cy="369332"/>
           </a:xfrm>
           <a:prstGeom prst="rect">
@@ -3255,14 +3225,14 @@
       </p:sp>
       <p:sp>
         <p:nvSpPr>
-          <p:cNvPr id="7" name="TextBox 6"/>
+          <p:cNvPr id="14" name="TextBox 13"/>
           <p:cNvSpPr txBox="1"/>
           <p:nvPr/>
         </p:nvSpPr>
         <p:spPr>
           <a:xfrm>
-            <a:off x="6212739" y="151864"/>
-            <a:ext cx="2268131" cy="369332"/>
+            <a:off x="5315265" y="1467935"/>
+            <a:ext cx="979755" cy="276999"/>
           </a:xfrm>
           <a:prstGeom prst="rect">
             <a:avLst/>
@@ -3276,205 +3246,54 @@
           <a:lstStyle/>
           <a:p>
             <a:r>
-              <a:rPr lang="en-US" dirty="0" smtClean="0"/>
-              <a:t>Mean </a:t>
-            </a:r>
-            <a:r>
-              <a:rPr lang="en-US" dirty="0" err="1" smtClean="0"/>
-              <a:t>Retic</a:t>
-            </a:r>
-            <a:r>
-              <a:rPr lang="en-US" dirty="0" smtClean="0"/>
-              <a:t> Smoothed</a:t>
-            </a:r>
-            <a:endParaRPr lang="en-US" dirty="0"/>
-          </a:p>
-        </p:txBody>
-      </p:sp>
-      <p:pic>
-        <p:nvPicPr>
-          <p:cNvPr id="8" name="Picture 7" descr="MONO_COUNT.pdf"/>
-          <p:cNvPicPr>
-            <a:picLocks noChangeAspect="1"/>
-          </p:cNvPicPr>
+              <a:rPr lang="en-US" sz="1200" dirty="0" smtClean="0"/>
+              <a:t>g-</a:t>
+            </a:r>
+            <a:r>
+              <a:rPr lang="en-US" sz="1200" dirty="0" err="1" smtClean="0"/>
+              <a:t>chromVAR</a:t>
+            </a:r>
+            <a:endParaRPr lang="en-US" sz="1200" dirty="0"/>
+          </a:p>
+        </p:txBody>
+      </p:sp>
+      <p:cxnSp>
+        <p:nvCxnSpPr>
+          <p:cNvPr id="16" name="Straight Arrow Connector 15"/>
+          <p:cNvCxnSpPr/>
           <p:nvPr/>
-        </p:nvPicPr>
-        <p:blipFill>
-          <a:blip r:embed="rId5">
-            <a:extLst>
-              <a:ext uri="{28A0092B-C50C-407E-A947-70E740481C1C}">
-                <a14:useLocalDpi xmlns:a14="http://schemas.microsoft.com/office/drawing/2010/main" val="0"/>
-              </a:ext>
-            </a:extLst>
-          </a:blip>
-          <a:stretch>
-            <a:fillRect/>
-          </a:stretch>
-        </p:blipFill>
+        </p:nvCxnSpPr>
         <p:spPr>
           <a:xfrm>
-            <a:off x="-879769" y="2723816"/>
-            <a:ext cx="4386207" cy="3292034"/>
+            <a:off x="5459604" y="1440323"/>
+            <a:ext cx="835416" cy="0"/>
           </a:xfrm>
-          <a:prstGeom prst="rect">
+          <a:prstGeom prst="straightConnector1">
             <a:avLst/>
           </a:prstGeom>
+          <a:ln>
+            <a:solidFill>
+              <a:schemeClr val="tx1"/>
+            </a:solidFill>
+            <a:tailEnd type="arrow"/>
+          </a:ln>
+          <a:effectLst/>
         </p:spPr>
-      </p:pic>
-      <p:sp>
-        <p:nvSpPr>
-          <p:cNvPr id="9" name="TextBox 8"/>
-          <p:cNvSpPr txBox="1"/>
-          <p:nvPr/>
-        </p:nvSpPr>
-        <p:spPr>
-          <a:xfrm>
-            <a:off x="784294" y="3048010"/>
-            <a:ext cx="1364476" cy="369332"/>
-          </a:xfrm>
-          <a:prstGeom prst="rect">
-            <a:avLst/>
-          </a:prstGeom>
-          <a:noFill/>
-        </p:spPr>
-        <p:txBody>
-          <a:bodyPr wrap="none" rtlCol="0">
-            <a:spAutoFit/>
-          </a:bodyPr>
-          <a:lstStyle/>
-          <a:p>
-            <a:r>
-              <a:rPr lang="en-US" dirty="0" smtClean="0"/>
-              <a:t>Mono Count</a:t>
-            </a:r>
-            <a:endParaRPr lang="en-US" dirty="0"/>
-          </a:p>
-        </p:txBody>
-      </p:sp>
-      <p:pic>
-        <p:nvPicPr>
-          <p:cNvPr id="10" name="Picture 9" descr="EO_COUNT.pdf"/>
-          <p:cNvPicPr>
-            <a:picLocks noChangeAspect="1"/>
-          </p:cNvPicPr>
-          <p:nvPr/>
-        </p:nvPicPr>
-        <p:blipFill>
-          <a:blip r:embed="rId6">
-            <a:extLst>
-              <a:ext uri="{28A0092B-C50C-407E-A947-70E740481C1C}">
-                <a14:useLocalDpi xmlns:a14="http://schemas.microsoft.com/office/drawing/2010/main" val="0"/>
-              </a:ext>
-            </a:extLst>
-          </a:blip>
-          <a:stretch>
-            <a:fillRect/>
-          </a:stretch>
-        </p:blipFill>
-        <p:spPr>
-          <a:xfrm>
-            <a:off x="4969752" y="2595479"/>
-            <a:ext cx="4722749" cy="3544623"/>
-          </a:xfrm>
-          <a:prstGeom prst="rect">
-            <a:avLst/>
-          </a:prstGeom>
-        </p:spPr>
-      </p:pic>
-      <p:sp>
-        <p:nvSpPr>
-          <p:cNvPr id="11" name="TextBox 10"/>
-          <p:cNvSpPr txBox="1"/>
-          <p:nvPr/>
-        </p:nvSpPr>
-        <p:spPr>
-          <a:xfrm>
-            <a:off x="7010836" y="3048010"/>
-            <a:ext cx="1035973" cy="369332"/>
-          </a:xfrm>
-          <a:prstGeom prst="rect">
-            <a:avLst/>
-          </a:prstGeom>
-          <a:noFill/>
-        </p:spPr>
-        <p:txBody>
-          <a:bodyPr wrap="none" rtlCol="0">
-            <a:spAutoFit/>
-          </a:bodyPr>
-          <a:lstStyle/>
-          <a:p>
-            <a:r>
-              <a:rPr lang="en-US" dirty="0" err="1" smtClean="0"/>
-              <a:t>Eo</a:t>
-            </a:r>
-            <a:r>
-              <a:rPr lang="en-US" dirty="0" smtClean="0"/>
-              <a:t> Count</a:t>
-            </a:r>
-            <a:endParaRPr lang="en-US" dirty="0"/>
-          </a:p>
-        </p:txBody>
-      </p:sp>
-      <p:pic>
-        <p:nvPicPr>
-          <p:cNvPr id="12" name="Picture 11" descr="LYMPH_COUNT.pdf"/>
-          <p:cNvPicPr>
-            <a:picLocks noChangeAspect="1"/>
-          </p:cNvPicPr>
-          <p:nvPr/>
-        </p:nvPicPr>
-        <p:blipFill>
-          <a:blip r:embed="rId7">
-            <a:extLst>
-              <a:ext uri="{28A0092B-C50C-407E-A947-70E740481C1C}">
-                <a14:useLocalDpi xmlns:a14="http://schemas.microsoft.com/office/drawing/2010/main" val="0"/>
-              </a:ext>
-            </a:extLst>
-          </a:blip>
-          <a:stretch>
-            <a:fillRect/>
-          </a:stretch>
-        </p:blipFill>
-        <p:spPr>
-          <a:xfrm>
-            <a:off x="1990955" y="2595479"/>
-            <a:ext cx="4742947" cy="3559782"/>
-          </a:xfrm>
-          <a:prstGeom prst="rect">
-            <a:avLst/>
-          </a:prstGeom>
-        </p:spPr>
-      </p:pic>
-      <p:sp>
-        <p:nvSpPr>
-          <p:cNvPr id="13" name="TextBox 12"/>
-          <p:cNvSpPr txBox="1"/>
-          <p:nvPr/>
-        </p:nvSpPr>
-        <p:spPr>
-          <a:xfrm>
-            <a:off x="3776832" y="3048010"/>
-            <a:ext cx="1430011" cy="369332"/>
-          </a:xfrm>
-          <a:prstGeom prst="rect">
-            <a:avLst/>
-          </a:prstGeom>
-          <a:noFill/>
-        </p:spPr>
-        <p:txBody>
-          <a:bodyPr wrap="none" rtlCol="0">
-            <a:spAutoFit/>
-          </a:bodyPr>
-          <a:lstStyle/>
-          <a:p>
-            <a:r>
-              <a:rPr lang="en-US" dirty="0" smtClean="0"/>
-              <a:t>Lymph Count</a:t>
-            </a:r>
-            <a:endParaRPr lang="en-US" dirty="0"/>
-          </a:p>
-        </p:txBody>
-      </p:sp>
+        <p:style>
+          <a:lnRef idx="2">
+            <a:schemeClr val="accent1"/>
+          </a:lnRef>
+          <a:fillRef idx="0">
+            <a:schemeClr val="accent1"/>
+          </a:fillRef>
+          <a:effectRef idx="1">
+            <a:schemeClr val="accent1"/>
+          </a:effectRef>
+          <a:fontRef idx="minor">
+            <a:schemeClr val="tx1"/>
+          </a:fontRef>
+        </p:style>
+      </p:cxnSp>
     </p:spTree>
     <p:extLst>
       <p:ext uri="{BB962C8B-B14F-4D97-AF65-F5344CB8AC3E}">
